--- a/Презентация.pptx
+++ b/Презентация.pptx
@@ -5,7 +5,7 @@
     <p:sldMasterId id="2147483660" r:id="rId1"/>
   </p:sldMasterIdLst>
   <p:notesMasterIdLst>
-    <p:notesMasterId r:id="rId12"/>
+    <p:notesMasterId r:id="rId14"/>
   </p:notesMasterIdLst>
   <p:sldIdLst>
     <p:sldId id="256" r:id="rId2"/>
@@ -14,10 +14,12 @@
     <p:sldId id="259" r:id="rId5"/>
     <p:sldId id="260" r:id="rId6"/>
     <p:sldId id="261" r:id="rId7"/>
-    <p:sldId id="262" r:id="rId8"/>
-    <p:sldId id="263" r:id="rId9"/>
-    <p:sldId id="264" r:id="rId10"/>
-    <p:sldId id="265" r:id="rId11"/>
+    <p:sldId id="267" r:id="rId8"/>
+    <p:sldId id="262" r:id="rId9"/>
+    <p:sldId id="263" r:id="rId10"/>
+    <p:sldId id="264" r:id="rId11"/>
+    <p:sldId id="265" r:id="rId12"/>
+    <p:sldId id="266" r:id="rId13"/>
   </p:sldIdLst>
   <p:sldSz cx="12192000" cy="6858000"/>
   <p:notesSz cx="6858000" cy="9144000"/>
@@ -217,7 +219,7 @@
           <a:p>
             <a:fld id="{DA75D3EC-D22A-46F4-AE70-F55D52F18098}" type="datetimeFigureOut">
               <a:rPr lang="ru-RU" smtClean="0"/>
-              <a:t>ср 12.01.22</a:t>
+              <a:t>чт 13.01.22</a:t>
             </a:fld>
             <a:endParaRPr lang="ru-RU"/>
           </a:p>
@@ -861,7 +863,7 @@
           <a:p>
             <a:fld id="{E76165C4-7A98-4DBC-892F-C68FD23B886D}" type="datetimeFigureOut">
               <a:rPr lang="ru-RU" smtClean="0"/>
-              <a:t>ср 12.01.22</a:t>
+              <a:t>чт 13.01.22</a:t>
             </a:fld>
             <a:endParaRPr lang="ru-RU"/>
           </a:p>
@@ -1031,7 +1033,7 @@
           <a:p>
             <a:fld id="{E76165C4-7A98-4DBC-892F-C68FD23B886D}" type="datetimeFigureOut">
               <a:rPr lang="ru-RU" smtClean="0"/>
-              <a:t>ср 12.01.22</a:t>
+              <a:t>чт 13.01.22</a:t>
             </a:fld>
             <a:endParaRPr lang="ru-RU"/>
           </a:p>
@@ -1211,7 +1213,7 @@
           <a:p>
             <a:fld id="{E76165C4-7A98-4DBC-892F-C68FD23B886D}" type="datetimeFigureOut">
               <a:rPr lang="ru-RU" smtClean="0"/>
-              <a:t>ср 12.01.22</a:t>
+              <a:t>чт 13.01.22</a:t>
             </a:fld>
             <a:endParaRPr lang="ru-RU"/>
           </a:p>
@@ -1381,7 +1383,7 @@
           <a:p>
             <a:fld id="{E76165C4-7A98-4DBC-892F-C68FD23B886D}" type="datetimeFigureOut">
               <a:rPr lang="ru-RU" smtClean="0"/>
-              <a:t>ср 12.01.22</a:t>
+              <a:t>чт 13.01.22</a:t>
             </a:fld>
             <a:endParaRPr lang="ru-RU"/>
           </a:p>
@@ -1627,7 +1629,7 @@
           <a:p>
             <a:fld id="{E76165C4-7A98-4DBC-892F-C68FD23B886D}" type="datetimeFigureOut">
               <a:rPr lang="ru-RU" smtClean="0"/>
-              <a:t>ср 12.01.22</a:t>
+              <a:t>чт 13.01.22</a:t>
             </a:fld>
             <a:endParaRPr lang="ru-RU"/>
           </a:p>
@@ -1859,7 +1861,7 @@
           <a:p>
             <a:fld id="{E76165C4-7A98-4DBC-892F-C68FD23B886D}" type="datetimeFigureOut">
               <a:rPr lang="ru-RU" smtClean="0"/>
-              <a:t>ср 12.01.22</a:t>
+              <a:t>чт 13.01.22</a:t>
             </a:fld>
             <a:endParaRPr lang="ru-RU"/>
           </a:p>
@@ -2226,7 +2228,7 @@
           <a:p>
             <a:fld id="{E76165C4-7A98-4DBC-892F-C68FD23B886D}" type="datetimeFigureOut">
               <a:rPr lang="ru-RU" smtClean="0"/>
-              <a:t>ср 12.01.22</a:t>
+              <a:t>чт 13.01.22</a:t>
             </a:fld>
             <a:endParaRPr lang="ru-RU"/>
           </a:p>
@@ -2344,7 +2346,7 @@
           <a:p>
             <a:fld id="{E76165C4-7A98-4DBC-892F-C68FD23B886D}" type="datetimeFigureOut">
               <a:rPr lang="ru-RU" smtClean="0"/>
-              <a:t>ср 12.01.22</a:t>
+              <a:t>чт 13.01.22</a:t>
             </a:fld>
             <a:endParaRPr lang="ru-RU"/>
           </a:p>
@@ -2439,7 +2441,7 @@
           <a:p>
             <a:fld id="{E76165C4-7A98-4DBC-892F-C68FD23B886D}" type="datetimeFigureOut">
               <a:rPr lang="ru-RU" smtClean="0"/>
-              <a:t>ср 12.01.22</a:t>
+              <a:t>чт 13.01.22</a:t>
             </a:fld>
             <a:endParaRPr lang="ru-RU"/>
           </a:p>
@@ -2716,7 +2718,7 @@
           <a:p>
             <a:fld id="{E76165C4-7A98-4DBC-892F-C68FD23B886D}" type="datetimeFigureOut">
               <a:rPr lang="ru-RU" smtClean="0"/>
-              <a:t>ср 12.01.22</a:t>
+              <a:t>чт 13.01.22</a:t>
             </a:fld>
             <a:endParaRPr lang="ru-RU"/>
           </a:p>
@@ -2973,7 +2975,7 @@
           <a:p>
             <a:fld id="{E76165C4-7A98-4DBC-892F-C68FD23B886D}" type="datetimeFigureOut">
               <a:rPr lang="ru-RU" smtClean="0"/>
-              <a:t>ср 12.01.22</a:t>
+              <a:t>чт 13.01.22</a:t>
             </a:fld>
             <a:endParaRPr lang="ru-RU"/>
           </a:p>
@@ -3186,7 +3188,7 @@
           <a:p>
             <a:fld id="{E76165C4-7A98-4DBC-892F-C68FD23B886D}" type="datetimeFigureOut">
               <a:rPr lang="ru-RU" smtClean="0"/>
-              <a:t>ср 12.01.22</a:t>
+              <a:t>чт 13.01.22</a:t>
             </a:fld>
             <a:endParaRPr lang="ru-RU"/>
           </a:p>
@@ -3689,6 +3691,128 @@
           <a:chExt cx="0" cy="0"/>
         </a:xfrm>
       </p:grpSpPr>
+      <p:pic>
+        <p:nvPicPr>
+          <p:cNvPr id="2054" name="Picture 6" descr="K324KJRWLJA.jpg (379×392)"/>
+          <p:cNvPicPr>
+            <a:picLocks noChangeAspect="1" noChangeArrowheads="1"/>
+          </p:cNvPicPr>
+          <p:nvPr/>
+        </p:nvPicPr>
+        <p:blipFill rotWithShape="1">
+          <a:blip r:embed="rId2">
+            <a:extLst>
+              <a:ext uri="{28A0092B-C50C-407E-A947-70E740481C1C}">
+                <a14:useLocalDpi xmlns:a14="http://schemas.microsoft.com/office/drawing/2010/main" val="0"/>
+              </a:ext>
+            </a:extLst>
+          </a:blip>
+          <a:srcRect l="833" t="1482" r="729" b="1465"/>
+          <a:stretch/>
+        </p:blipFill>
+        <p:spPr bwMode="auto">
+          <a:xfrm>
+            <a:off x="0" y="0"/>
+            <a:ext cx="12192000" cy="6858000"/>
+          </a:xfrm>
+          <a:prstGeom prst="rect">
+            <a:avLst/>
+          </a:prstGeom>
+          <a:noFill/>
+          <a:extLst>
+            <a:ext uri="{909E8E84-426E-40DD-AFC4-6F175D3DCCD1}">
+              <a14:hiddenFill xmlns:a14="http://schemas.microsoft.com/office/drawing/2010/main">
+                <a:solidFill>
+                  <a:srgbClr val="FFFFFF"/>
+                </a:solidFill>
+              </a14:hiddenFill>
+            </a:ext>
+          </a:extLst>
+        </p:spPr>
+      </p:pic>
+      <p:sp>
+        <p:nvSpPr>
+          <p:cNvPr id="3" name="Овальная выноска 2"/>
+          <p:cNvSpPr/>
+          <p:nvPr/>
+        </p:nvSpPr>
+        <p:spPr>
+          <a:xfrm>
+            <a:off x="1930400" y="965200"/>
+            <a:ext cx="2552700" cy="1409700"/>
+          </a:xfrm>
+          <a:prstGeom prst="wedgeEllipseCallout">
+            <a:avLst>
+              <a:gd name="adj1" fmla="val 81359"/>
+              <a:gd name="adj2" fmla="val 74620"/>
+            </a:avLst>
+          </a:prstGeom>
+          <a:ln/>
+        </p:spPr>
+        <p:style>
+          <a:lnRef idx="2">
+            <a:schemeClr val="dk1"/>
+          </a:lnRef>
+          <a:fillRef idx="1">
+            <a:schemeClr val="lt1"/>
+          </a:fillRef>
+          <a:effectRef idx="0">
+            <a:schemeClr val="dk1"/>
+          </a:effectRef>
+          <a:fontRef idx="minor">
+            <a:schemeClr val="dk1"/>
+          </a:fontRef>
+        </p:style>
+        <p:txBody>
+          <a:bodyPr rtlCol="0" anchor="ctr"/>
+          <a:lstStyle/>
+          <a:p>
+            <a:pPr algn="ctr"/>
+            <a:r>
+              <a:rPr lang="ru-RU" sz="2000" dirty="0" smtClean="0"/>
+              <a:t>Демонстрация</a:t>
+            </a:r>
+            <a:endParaRPr lang="ru-RU" sz="2000" dirty="0"/>
+          </a:p>
+        </p:txBody>
+      </p:sp>
+    </p:spTree>
+    <p:extLst>
+      <p:ext uri="{BB962C8B-B14F-4D97-AF65-F5344CB8AC3E}">
+        <p14:creationId xmlns:p14="http://schemas.microsoft.com/office/powerpoint/2010/main" val="2660967317"/>
+      </p:ext>
+    </p:extLst>
+  </p:cSld>
+  <p:clrMapOvr>
+    <a:masterClrMapping/>
+  </p:clrMapOvr>
+  <p:timing>
+    <p:tnLst>
+      <p:par>
+        <p:cTn id="1" dur="indefinite" restart="never" nodeType="tmRoot"/>
+      </p:par>
+    </p:tnLst>
+  </p:timing>
+</p:sld>
+</file>
+
+<file path=ppt/slides/slide11.xml><?xml version="1.0" encoding="utf-8"?>
+<p:sld xmlns:a="http://schemas.openxmlformats.org/drawingml/2006/main" xmlns:r="http://schemas.openxmlformats.org/officeDocument/2006/relationships" xmlns:p="http://schemas.openxmlformats.org/presentationml/2006/main">
+  <p:cSld>
+    <p:spTree>
+      <p:nvGrpSpPr>
+        <p:cNvPr id="1" name=""/>
+        <p:cNvGrpSpPr/>
+        <p:nvPr/>
+      </p:nvGrpSpPr>
+      <p:grpSpPr>
+        <a:xfrm>
+          <a:off x="0" y="0"/>
+          <a:ext cx="0" cy="0"/>
+          <a:chOff x="0" y="0"/>
+          <a:chExt cx="0" cy="0"/>
+        </a:xfrm>
+      </p:grpSpPr>
       <p:sp>
         <p:nvSpPr>
           <p:cNvPr id="2" name="Заголовок 1"/>
@@ -3905,6 +4029,219 @@
 </p:sld>
 </file>
 
+<file path=ppt/slides/slide12.xml><?xml version="1.0" encoding="utf-8"?>
+<p:sld xmlns:a="http://schemas.openxmlformats.org/drawingml/2006/main" xmlns:r="http://schemas.openxmlformats.org/officeDocument/2006/relationships" xmlns:p="http://schemas.openxmlformats.org/presentationml/2006/main">
+  <p:cSld>
+    <p:spTree>
+      <p:nvGrpSpPr>
+        <p:cNvPr id="1" name=""/>
+        <p:cNvGrpSpPr/>
+        <p:nvPr/>
+      </p:nvGrpSpPr>
+      <p:grpSpPr>
+        <a:xfrm>
+          <a:off x="0" y="0"/>
+          <a:ext cx="0" cy="0"/>
+          <a:chOff x="0" y="0"/>
+          <a:chExt cx="0" cy="0"/>
+        </a:xfrm>
+      </p:grpSpPr>
+      <p:sp>
+        <p:nvSpPr>
+          <p:cNvPr id="2" name="Заголовок 1"/>
+          <p:cNvSpPr>
+            <a:spLocks noGrp="1"/>
+          </p:cNvSpPr>
+          <p:nvPr>
+            <p:ph type="title"/>
+          </p:nvPr>
+        </p:nvSpPr>
+        <p:spPr/>
+        <p:txBody>
+          <a:bodyPr/>
+          <a:lstStyle/>
+          <a:p>
+            <a:r>
+              <a:rPr lang="ru-RU" dirty="0" smtClean="0"/>
+              <a:t>Дальнейшее развитие проекта</a:t>
+            </a:r>
+            <a:endParaRPr lang="ru-RU" dirty="0"/>
+          </a:p>
+        </p:txBody>
+      </p:sp>
+      <p:sp>
+        <p:nvSpPr>
+          <p:cNvPr id="3" name="Объект 2"/>
+          <p:cNvSpPr>
+            <a:spLocks noGrp="1"/>
+          </p:cNvSpPr>
+          <p:nvPr>
+            <p:ph idx="1"/>
+          </p:nvPr>
+        </p:nvSpPr>
+        <p:spPr/>
+        <p:txBody>
+          <a:bodyPr/>
+          <a:lstStyle/>
+          <a:p>
+            <a:r>
+              <a:rPr lang="ru-RU" dirty="0" smtClean="0"/>
+              <a:t>Авторизация через БД</a:t>
+            </a:r>
+          </a:p>
+          <a:p>
+            <a:r>
+              <a:rPr lang="ru-RU" dirty="0" smtClean="0"/>
+              <a:t>Хранение данных на сервере</a:t>
+            </a:r>
+            <a:endParaRPr lang="ru-RU" dirty="0"/>
+          </a:p>
+        </p:txBody>
+      </p:sp>
+    </p:spTree>
+    <p:extLst>
+      <p:ext uri="{BB962C8B-B14F-4D97-AF65-F5344CB8AC3E}">
+        <p14:creationId xmlns:p14="http://schemas.microsoft.com/office/powerpoint/2010/main" val="1399469910"/>
+      </p:ext>
+    </p:extLst>
+  </p:cSld>
+  <p:clrMapOvr>
+    <a:masterClrMapping/>
+  </p:clrMapOvr>
+  <p:timing>
+    <p:tnLst>
+      <p:par>
+        <p:cTn id="1" dur="indefinite" restart="never" nodeType="tmRoot">
+          <p:childTnLst>
+            <p:seq concurrent="1" nextAc="seek">
+              <p:cTn id="2" dur="indefinite" nodeType="mainSeq">
+                <p:childTnLst>
+                  <p:par>
+                    <p:cTn id="3" fill="hold">
+                      <p:stCondLst>
+                        <p:cond delay="indefinite"/>
+                      </p:stCondLst>
+                      <p:childTnLst>
+                        <p:par>
+                          <p:cTn id="4" fill="hold">
+                            <p:stCondLst>
+                              <p:cond delay="0"/>
+                            </p:stCondLst>
+                            <p:childTnLst>
+                              <p:par>
+                                <p:cTn id="5" presetID="1" presetClass="entr" presetSubtype="0" fill="hold" grpId="0" nodeType="clickEffect">
+                                  <p:stCondLst>
+                                    <p:cond delay="0"/>
+                                  </p:stCondLst>
+                                  <p:childTnLst>
+                                    <p:set>
+                                      <p:cBhvr>
+                                        <p:cTn id="6" dur="1" fill="hold">
+                                          <p:stCondLst>
+                                            <p:cond delay="0"/>
+                                          </p:stCondLst>
+                                        </p:cTn>
+                                        <p:tgtEl>
+                                          <p:spTgt spid="3">
+                                            <p:txEl>
+                                              <p:pRg st="0" end="0"/>
+                                            </p:txEl>
+                                          </p:spTgt>
+                                        </p:tgtEl>
+                                        <p:attrNameLst>
+                                          <p:attrName>style.visibility</p:attrName>
+                                        </p:attrNameLst>
+                                      </p:cBhvr>
+                                      <p:to>
+                                        <p:strVal val="visible"/>
+                                      </p:to>
+                                    </p:set>
+                                  </p:childTnLst>
+                                </p:cTn>
+                              </p:par>
+                            </p:childTnLst>
+                          </p:cTn>
+                        </p:par>
+                      </p:childTnLst>
+                    </p:cTn>
+                  </p:par>
+                  <p:par>
+                    <p:cTn id="7" fill="hold">
+                      <p:stCondLst>
+                        <p:cond delay="indefinite"/>
+                      </p:stCondLst>
+                      <p:childTnLst>
+                        <p:par>
+                          <p:cTn id="8" fill="hold">
+                            <p:stCondLst>
+                              <p:cond delay="0"/>
+                            </p:stCondLst>
+                            <p:childTnLst>
+                              <p:par>
+                                <p:cTn id="9" presetID="1" presetClass="entr" presetSubtype="0" fill="hold" grpId="0" nodeType="clickEffect">
+                                  <p:stCondLst>
+                                    <p:cond delay="0"/>
+                                  </p:stCondLst>
+                                  <p:childTnLst>
+                                    <p:set>
+                                      <p:cBhvr>
+                                        <p:cTn id="10" dur="1" fill="hold">
+                                          <p:stCondLst>
+                                            <p:cond delay="0"/>
+                                          </p:stCondLst>
+                                        </p:cTn>
+                                        <p:tgtEl>
+                                          <p:spTgt spid="3">
+                                            <p:txEl>
+                                              <p:pRg st="1" end="1"/>
+                                            </p:txEl>
+                                          </p:spTgt>
+                                        </p:tgtEl>
+                                        <p:attrNameLst>
+                                          <p:attrName>style.visibility</p:attrName>
+                                        </p:attrNameLst>
+                                      </p:cBhvr>
+                                      <p:to>
+                                        <p:strVal val="visible"/>
+                                      </p:to>
+                                    </p:set>
+                                  </p:childTnLst>
+                                </p:cTn>
+                              </p:par>
+                            </p:childTnLst>
+                          </p:cTn>
+                        </p:par>
+                      </p:childTnLst>
+                    </p:cTn>
+                  </p:par>
+                </p:childTnLst>
+              </p:cTn>
+              <p:prevCondLst>
+                <p:cond evt="onPrev" delay="0">
+                  <p:tgtEl>
+                    <p:sldTgt/>
+                  </p:tgtEl>
+                </p:cond>
+              </p:prevCondLst>
+              <p:nextCondLst>
+                <p:cond evt="onNext" delay="0">
+                  <p:tgtEl>
+                    <p:sldTgt/>
+                  </p:tgtEl>
+                </p:cond>
+              </p:nextCondLst>
+            </p:seq>
+          </p:childTnLst>
+        </p:cTn>
+      </p:par>
+    </p:tnLst>
+    <p:bldLst>
+      <p:bldP spid="3" grpId="0" build="p"/>
+    </p:bldLst>
+  </p:timing>
+</p:sld>
+</file>
+
 <file path=ppt/slides/slide2.xml><?xml version="1.0" encoding="utf-8"?>
 <p:sld xmlns:a="http://schemas.openxmlformats.org/drawingml/2006/main" xmlns:r="http://schemas.openxmlformats.org/officeDocument/2006/relationships" xmlns:p="http://schemas.openxmlformats.org/presentationml/2006/main">
   <p:cSld>
@@ -3981,13 +4318,13 @@
       </p:sp>
       <p:pic>
         <p:nvPicPr>
-          <p:cNvPr id="1026" name="Picture 2" descr="K324KJRWLJA.jpg (379×392)"/>
+          <p:cNvPr id="5" name="Рисунок 4"/>
           <p:cNvPicPr>
-            <a:picLocks noChangeAspect="1" noChangeArrowheads="1"/>
+            <a:picLocks noChangeAspect="1"/>
           </p:cNvPicPr>
           <p:nvPr/>
         </p:nvPicPr>
-        <p:blipFill rotWithShape="1">
+        <p:blipFill>
           <a:blip r:embed="rId3">
             <a:extLst>
               <a:ext uri="{28A0092B-C50C-407E-A947-70E740481C1C}">
@@ -3995,13 +4332,45 @@
               </a:ext>
             </a:extLst>
           </a:blip>
-          <a:srcRect l="1209" t="1971" r="604" b="1771"/>
-          <a:stretch/>
+          <a:stretch>
+            <a:fillRect/>
+          </a:stretch>
+        </p:blipFill>
+        <p:spPr>
+          <a:xfrm>
+            <a:off x="3485949" y="2244686"/>
+            <a:ext cx="3810000" cy="3810000"/>
+          </a:xfrm>
+          <a:prstGeom prst="rect">
+            <a:avLst/>
+          </a:prstGeom>
+        </p:spPr>
+      </p:pic>
+      <p:pic>
+        <p:nvPicPr>
+          <p:cNvPr id="10" name="Picture 6" descr="MySQL - LiveAgent"/>
+          <p:cNvPicPr>
+            <a:picLocks noChangeAspect="1" noChangeArrowheads="1"/>
+          </p:cNvPicPr>
+          <p:nvPr/>
+        </p:nvPicPr>
+        <p:blipFill>
+          <a:blip r:embed="rId4" cstate="print">
+            <a:extLst>
+              <a:ext uri="{28A0092B-C50C-407E-A947-70E740481C1C}">
+                <a14:useLocalDpi xmlns:a14="http://schemas.microsoft.com/office/drawing/2010/main" val="0"/>
+              </a:ext>
+            </a:extLst>
+          </a:blip>
+          <a:srcRect/>
+          <a:stretch>
+            <a:fillRect/>
+          </a:stretch>
         </p:blipFill>
         <p:spPr bwMode="auto">
           <a:xfrm>
-            <a:off x="965200" y="2489200"/>
-            <a:ext cx="10325100" cy="3594100"/>
+            <a:off x="584200" y="3196154"/>
+            <a:ext cx="3225800" cy="2150533"/>
           </a:xfrm>
           <a:prstGeom prst="rect">
             <a:avLst/>
@@ -4016,6 +4385,66 @@
               </a14:hiddenFill>
             </a:ext>
           </a:extLst>
+        </p:spPr>
+      </p:pic>
+      <p:pic>
+        <p:nvPicPr>
+          <p:cNvPr id="7" name="Рисунок 6"/>
+          <p:cNvPicPr>
+            <a:picLocks noChangeAspect="1"/>
+          </p:cNvPicPr>
+          <p:nvPr/>
+        </p:nvPicPr>
+        <p:blipFill>
+          <a:blip r:embed="rId5">
+            <a:extLst>
+              <a:ext uri="{28A0092B-C50C-407E-A947-70E740481C1C}">
+                <a14:useLocalDpi xmlns:a14="http://schemas.microsoft.com/office/drawing/2010/main" val="0"/>
+              </a:ext>
+            </a:extLst>
+          </a:blip>
+          <a:stretch>
+            <a:fillRect/>
+          </a:stretch>
+        </p:blipFill>
+        <p:spPr>
+          <a:xfrm>
+            <a:off x="7061201" y="3016251"/>
+            <a:ext cx="1901416" cy="1238636"/>
+          </a:xfrm>
+          <a:prstGeom prst="rect">
+            <a:avLst/>
+          </a:prstGeom>
+        </p:spPr>
+      </p:pic>
+      <p:pic>
+        <p:nvPicPr>
+          <p:cNvPr id="13" name="Рисунок 12"/>
+          <p:cNvPicPr>
+            <a:picLocks noChangeAspect="1"/>
+          </p:cNvPicPr>
+          <p:nvPr/>
+        </p:nvPicPr>
+        <p:blipFill>
+          <a:blip r:embed="rId6">
+            <a:extLst>
+              <a:ext uri="{28A0092B-C50C-407E-A947-70E740481C1C}">
+                <a14:useLocalDpi xmlns:a14="http://schemas.microsoft.com/office/drawing/2010/main" val="0"/>
+              </a:ext>
+            </a:extLst>
+          </a:blip>
+          <a:stretch>
+            <a:fillRect/>
+          </a:stretch>
+        </p:blipFill>
+        <p:spPr>
+          <a:xfrm>
+            <a:off x="6837412" y="5211118"/>
+            <a:ext cx="917074" cy="1028234"/>
+          </a:xfrm>
+          <a:prstGeom prst="rect">
+            <a:avLst/>
+          </a:prstGeom>
         </p:spPr>
       </p:pic>
     </p:spTree>
@@ -4072,6 +4501,10 @@
           <a:p>
             <a:r>
               <a:rPr lang="ru-RU" dirty="0" smtClean="0"/>
+              <a:t>Косвенные </a:t>
+            </a:r>
+            <a:r>
+              <a:rPr lang="ru-RU" dirty="0" smtClean="0"/>
               <a:t>Аналоги</a:t>
             </a:r>
             <a:endParaRPr lang="ru-RU" dirty="0"/>
@@ -4147,7 +4580,7 @@
       </p:sp>
       <p:pic>
         <p:nvPicPr>
-          <p:cNvPr id="5" name="Рисунок 4"/>
+          <p:cNvPr id="7" name="Рисунок 6"/>
           <p:cNvPicPr>
             <a:picLocks noChangeAspect="1"/>
           </p:cNvPicPr>
@@ -4167,8 +4600,8 @@
         </p:blipFill>
         <p:spPr>
           <a:xfrm>
-            <a:off x="7192169" y="1690688"/>
-            <a:ext cx="4631178" cy="3016881"/>
+            <a:off x="7445249" y="1690687"/>
+            <a:ext cx="4631179" cy="3016881"/>
           </a:xfrm>
           <a:prstGeom prst="rect">
             <a:avLst/>
@@ -4867,7 +5300,9 @@
         </p:nvSpPr>
         <p:spPr/>
         <p:txBody>
-          <a:bodyPr/>
+          <a:bodyPr>
+            <a:normAutofit/>
+          </a:bodyPr>
           <a:lstStyle/>
           <a:p>
             <a:r>
@@ -4912,39 +5347,12 @@
             </a:r>
           </a:p>
           <a:p>
+            <a:pPr lvl="1"/>
             <a:r>
               <a:rPr lang="ru-RU" dirty="0" smtClean="0"/>
-              <a:t>Использование учителем, пред настройка</a:t>
-            </a:r>
-          </a:p>
-          <a:p>
-            <a:pPr lvl="1"/>
-            <a:r>
-              <a:rPr lang="ru-RU" dirty="0" smtClean="0"/>
-              <a:t>Добавление БД</a:t>
-            </a:r>
-          </a:p>
-          <a:p>
-            <a:pPr lvl="1"/>
-            <a:r>
-              <a:rPr lang="ru-RU" dirty="0" smtClean="0"/>
-              <a:t>Добавление заданий</a:t>
-            </a:r>
-          </a:p>
-          <a:p>
-            <a:pPr lvl="1"/>
-            <a:r>
-              <a:rPr lang="ru-RU" dirty="0" smtClean="0"/>
-              <a:t>Добавление ответов</a:t>
-            </a:r>
-          </a:p>
-          <a:p>
-            <a:pPr lvl="1"/>
-            <a:r>
-              <a:rPr lang="ru-RU" dirty="0" smtClean="0"/>
-              <a:t>Выполнение скриптов из файла</a:t>
-            </a:r>
-            <a:endParaRPr lang="ru-RU" dirty="0"/>
+              <a:t>Если результат верен, то отметка в базе что все решено</a:t>
+            </a:r>
+            <a:endParaRPr lang="ru-RU" dirty="0" smtClean="0"/>
           </a:p>
         </p:txBody>
       </p:sp>
@@ -4952,6 +5360,351 @@
     <p:extLst>
       <p:ext uri="{BB962C8B-B14F-4D97-AF65-F5344CB8AC3E}">
         <p14:creationId xmlns:p14="http://schemas.microsoft.com/office/powerpoint/2010/main" val="1497012186"/>
+      </p:ext>
+    </p:extLst>
+  </p:cSld>
+  <p:clrMapOvr>
+    <a:masterClrMapping/>
+  </p:clrMapOvr>
+  <p:timing>
+    <p:tnLst>
+      <p:par>
+        <p:cTn id="1" dur="indefinite" restart="never" nodeType="tmRoot"/>
+      </p:par>
+    </p:tnLst>
+  </p:timing>
+</p:sld>
+</file>
+
+<file path=ppt/slides/slide7.xml><?xml version="1.0" encoding="utf-8"?>
+<p:sld xmlns:a="http://schemas.openxmlformats.org/drawingml/2006/main" xmlns:r="http://schemas.openxmlformats.org/officeDocument/2006/relationships" xmlns:p="http://schemas.openxmlformats.org/presentationml/2006/main">
+  <p:cSld>
+    <p:spTree>
+      <p:nvGrpSpPr>
+        <p:cNvPr id="1" name=""/>
+        <p:cNvGrpSpPr/>
+        <p:nvPr/>
+      </p:nvGrpSpPr>
+      <p:grpSpPr>
+        <a:xfrm>
+          <a:off x="0" y="0"/>
+          <a:ext cx="0" cy="0"/>
+          <a:chOff x="0" y="0"/>
+          <a:chExt cx="0" cy="0"/>
+        </a:xfrm>
+      </p:grpSpPr>
+      <p:sp>
+        <p:nvSpPr>
+          <p:cNvPr id="2" name="Заголовок 1"/>
+          <p:cNvSpPr>
+            <a:spLocks noGrp="1"/>
+          </p:cNvSpPr>
+          <p:nvPr>
+            <p:ph type="title"/>
+          </p:nvPr>
+        </p:nvSpPr>
+        <p:spPr/>
+        <p:txBody>
+          <a:bodyPr/>
+          <a:lstStyle/>
+          <a:p>
+            <a:r>
+              <a:rPr lang="ru-RU" dirty="0" smtClean="0"/>
+              <a:t>Режимы работы программы</a:t>
+            </a:r>
+            <a:endParaRPr lang="ru-RU" dirty="0"/>
+          </a:p>
+        </p:txBody>
+      </p:sp>
+      <p:sp>
+        <p:nvSpPr>
+          <p:cNvPr id="3" name="Объект 2"/>
+          <p:cNvSpPr>
+            <a:spLocks noGrp="1"/>
+          </p:cNvSpPr>
+          <p:nvPr>
+            <p:ph idx="1"/>
+          </p:nvPr>
+        </p:nvSpPr>
+        <p:spPr/>
+        <p:txBody>
+          <a:bodyPr/>
+          <a:lstStyle/>
+          <a:p>
+            <a:r>
+              <a:rPr lang="ru-RU" dirty="0"/>
+              <a:t>Использование учителем, пред настройка</a:t>
+            </a:r>
+          </a:p>
+          <a:p>
+            <a:pPr lvl="1"/>
+            <a:r>
+              <a:rPr lang="ru-RU" dirty="0"/>
+              <a:t>Добавление БД</a:t>
+            </a:r>
+          </a:p>
+          <a:p>
+            <a:pPr lvl="1"/>
+            <a:r>
+              <a:rPr lang="ru-RU" dirty="0"/>
+              <a:t>Добавление заданий</a:t>
+            </a:r>
+          </a:p>
+          <a:p>
+            <a:pPr lvl="1"/>
+            <a:r>
+              <a:rPr lang="ru-RU" dirty="0"/>
+              <a:t>Добавление ответов</a:t>
+            </a:r>
+          </a:p>
+          <a:p>
+            <a:pPr lvl="1"/>
+            <a:r>
+              <a:rPr lang="ru-RU" dirty="0"/>
+              <a:t>Выполнение скриптов из файла</a:t>
+            </a:r>
+          </a:p>
+          <a:p>
+            <a:pPr lvl="1"/>
+            <a:r>
+              <a:rPr lang="ru-RU" dirty="0"/>
+              <a:t>Просмотр статистики учеников</a:t>
+            </a:r>
+            <a:endParaRPr lang="ru-RU" dirty="0"/>
+          </a:p>
+        </p:txBody>
+      </p:sp>
+    </p:spTree>
+    <p:extLst>
+      <p:ext uri="{BB962C8B-B14F-4D97-AF65-F5344CB8AC3E}">
+        <p14:creationId xmlns:p14="http://schemas.microsoft.com/office/powerpoint/2010/main" val="4037386826"/>
+      </p:ext>
+    </p:extLst>
+  </p:cSld>
+  <p:clrMapOvr>
+    <a:masterClrMapping/>
+  </p:clrMapOvr>
+  <p:timing>
+    <p:tnLst>
+      <p:par>
+        <p:cTn id="1" dur="indefinite" restart="never" nodeType="tmRoot"/>
+      </p:par>
+    </p:tnLst>
+  </p:timing>
+</p:sld>
+</file>
+
+<file path=ppt/slides/slide8.xml><?xml version="1.0" encoding="utf-8"?>
+<p:sld xmlns:a="http://schemas.openxmlformats.org/drawingml/2006/main" xmlns:r="http://schemas.openxmlformats.org/officeDocument/2006/relationships" xmlns:p="http://schemas.openxmlformats.org/presentationml/2006/main">
+  <p:cSld>
+    <p:spTree>
+      <p:nvGrpSpPr>
+        <p:cNvPr id="1" name=""/>
+        <p:cNvGrpSpPr/>
+        <p:nvPr/>
+      </p:nvGrpSpPr>
+      <p:grpSpPr>
+        <a:xfrm>
+          <a:off x="0" y="0"/>
+          <a:ext cx="0" cy="0"/>
+          <a:chOff x="0" y="0"/>
+          <a:chExt cx="0" cy="0"/>
+        </a:xfrm>
+      </p:grpSpPr>
+      <p:sp>
+        <p:nvSpPr>
+          <p:cNvPr id="2" name="Заголовок 1"/>
+          <p:cNvSpPr>
+            <a:spLocks noGrp="1"/>
+          </p:cNvSpPr>
+          <p:nvPr>
+            <p:ph type="title"/>
+          </p:nvPr>
+        </p:nvSpPr>
+        <p:spPr/>
+        <p:txBody>
+          <a:bodyPr/>
+          <a:lstStyle/>
+          <a:p>
+            <a:r>
+              <a:rPr lang="ru-RU" dirty="0"/>
+              <a:t>Режимы работы программы</a:t>
+            </a:r>
+          </a:p>
+        </p:txBody>
+      </p:sp>
+      <p:sp>
+        <p:nvSpPr>
+          <p:cNvPr id="3" name="Объект 2"/>
+          <p:cNvSpPr>
+            <a:spLocks noGrp="1"/>
+          </p:cNvSpPr>
+          <p:nvPr>
+            <p:ph idx="1"/>
+          </p:nvPr>
+        </p:nvSpPr>
+        <p:spPr/>
+        <p:txBody>
+          <a:bodyPr/>
+          <a:lstStyle/>
+          <a:p>
+            <a:r>
+              <a:rPr lang="ru-RU" dirty="0" smtClean="0"/>
+              <a:t>Дополнительные функции</a:t>
+            </a:r>
+          </a:p>
+          <a:p>
+            <a:pPr lvl="1"/>
+            <a:r>
+              <a:rPr lang="ru-RU" dirty="0" smtClean="0"/>
+              <a:t>Настройки кастомизации</a:t>
+            </a:r>
+          </a:p>
+          <a:p>
+            <a:pPr lvl="1"/>
+            <a:r>
+              <a:rPr lang="ru-RU" dirty="0" smtClean="0"/>
+              <a:t>Просмотр таблиц в БД</a:t>
+            </a:r>
+          </a:p>
+          <a:p>
+            <a:pPr lvl="1"/>
+            <a:r>
+              <a:rPr lang="ru-RU" dirty="0" smtClean="0"/>
+              <a:t>Кастомизация интерфейса</a:t>
+            </a:r>
+          </a:p>
+        </p:txBody>
+      </p:sp>
+    </p:spTree>
+    <p:extLst>
+      <p:ext uri="{BB962C8B-B14F-4D97-AF65-F5344CB8AC3E}">
+        <p14:creationId xmlns:p14="http://schemas.microsoft.com/office/powerpoint/2010/main" val="656501826"/>
+      </p:ext>
+    </p:extLst>
+  </p:cSld>
+  <p:clrMapOvr>
+    <a:masterClrMapping/>
+  </p:clrMapOvr>
+  <p:timing>
+    <p:tnLst>
+      <p:par>
+        <p:cTn id="1" dur="indefinite" restart="never" nodeType="tmRoot"/>
+      </p:par>
+    </p:tnLst>
+  </p:timing>
+</p:sld>
+</file>
+
+<file path=ppt/slides/slide9.xml><?xml version="1.0" encoding="utf-8"?>
+<p:sld xmlns:a="http://schemas.openxmlformats.org/drawingml/2006/main" xmlns:r="http://schemas.openxmlformats.org/officeDocument/2006/relationships" xmlns:p="http://schemas.openxmlformats.org/presentationml/2006/main">
+  <p:cSld>
+    <p:spTree>
+      <p:nvGrpSpPr>
+        <p:cNvPr id="1" name=""/>
+        <p:cNvGrpSpPr/>
+        <p:nvPr/>
+      </p:nvGrpSpPr>
+      <p:grpSpPr>
+        <a:xfrm>
+          <a:off x="0" y="0"/>
+          <a:ext cx="0" cy="0"/>
+          <a:chOff x="0" y="0"/>
+          <a:chExt cx="0" cy="0"/>
+        </a:xfrm>
+      </p:grpSpPr>
+      <p:sp>
+        <p:nvSpPr>
+          <p:cNvPr id="2" name="Заголовок 1"/>
+          <p:cNvSpPr>
+            <a:spLocks noGrp="1"/>
+          </p:cNvSpPr>
+          <p:nvPr>
+            <p:ph type="title"/>
+          </p:nvPr>
+        </p:nvSpPr>
+        <p:spPr/>
+        <p:txBody>
+          <a:bodyPr/>
+          <a:lstStyle/>
+          <a:p>
+            <a:r>
+              <a:rPr lang="ru-RU" dirty="0" smtClean="0"/>
+              <a:t>Ключевые моменты</a:t>
+            </a:r>
+            <a:endParaRPr lang="ru-RU" dirty="0"/>
+          </a:p>
+        </p:txBody>
+      </p:sp>
+      <p:sp>
+        <p:nvSpPr>
+          <p:cNvPr id="3" name="Объект 2"/>
+          <p:cNvSpPr>
+            <a:spLocks noGrp="1"/>
+          </p:cNvSpPr>
+          <p:nvPr>
+            <p:ph idx="1"/>
+          </p:nvPr>
+        </p:nvSpPr>
+        <p:spPr/>
+        <p:txBody>
+          <a:bodyPr/>
+          <a:lstStyle/>
+          <a:p>
+            <a:r>
+              <a:rPr lang="ru-RU" dirty="0" smtClean="0"/>
+              <a:t>Подсветка ключевых слов </a:t>
+            </a:r>
+            <a:r>
+              <a:rPr lang="en-US" dirty="0" smtClean="0"/>
+              <a:t>MySQL</a:t>
+            </a:r>
+          </a:p>
+          <a:p>
+            <a:r>
+              <a:rPr lang="ru-RU" dirty="0" smtClean="0"/>
+              <a:t>Отображение кол-ва строк которое вернул </a:t>
+            </a:r>
+            <a:r>
+              <a:rPr lang="en-US" dirty="0" smtClean="0"/>
+              <a:t>MySQL</a:t>
+            </a:r>
+          </a:p>
+          <a:p>
+            <a:r>
+              <a:rPr lang="ru-RU" dirty="0" smtClean="0"/>
+              <a:t>Отображение текста заданий</a:t>
+            </a:r>
+          </a:p>
+          <a:p>
+            <a:r>
+              <a:rPr lang="ru-RU" dirty="0" smtClean="0"/>
+              <a:t>Система хранения заданий и ответов на них</a:t>
+            </a:r>
+          </a:p>
+          <a:p>
+            <a:r>
+              <a:rPr lang="ru-RU" dirty="0" smtClean="0"/>
+              <a:t>Автоматическая проверка </a:t>
+            </a:r>
+            <a:r>
+              <a:rPr lang="ru-RU" dirty="0" smtClean="0"/>
+              <a:t>заданий</a:t>
+            </a:r>
+          </a:p>
+          <a:p>
+            <a:r>
+              <a:rPr lang="ru-RU" dirty="0" smtClean="0"/>
+              <a:t>Регистрация</a:t>
+            </a:r>
+            <a:endParaRPr lang="ru-RU" dirty="0"/>
+          </a:p>
+        </p:txBody>
+      </p:sp>
+    </p:spTree>
+    <p:extLst>
+      <p:ext uri="{BB962C8B-B14F-4D97-AF65-F5344CB8AC3E}">
+        <p14:creationId xmlns:p14="http://schemas.microsoft.com/office/powerpoint/2010/main" val="3494490147"/>
       </p:ext>
     </p:extLst>
   </p:cSld>
@@ -5009,15 +5762,33 @@
                                   </p:childTnLst>
                                 </p:cTn>
                               </p:par>
+                            </p:childTnLst>
+                          </p:cTn>
+                        </p:par>
+                      </p:childTnLst>
+                    </p:cTn>
+                  </p:par>
+                  <p:par>
+                    <p:cTn id="7" fill="hold">
+                      <p:stCondLst>
+                        <p:cond delay="indefinite"/>
+                      </p:stCondLst>
+                      <p:childTnLst>
+                        <p:par>
+                          <p:cTn id="8" fill="hold">
+                            <p:stCondLst>
+                              <p:cond delay="0"/>
+                            </p:stCondLst>
+                            <p:childTnLst>
                               <p:par>
-                                <p:cTn id="7" presetID="1" presetClass="entr" presetSubtype="0" fill="hold" grpId="0" nodeType="withEffect">
+                                <p:cTn id="9" presetID="1" presetClass="entr" presetSubtype="0" fill="hold" grpId="0" nodeType="clickEffect">
                                   <p:stCondLst>
                                     <p:cond delay="0"/>
                                   </p:stCondLst>
                                   <p:childTnLst>
                                     <p:set>
                                       <p:cBhvr>
-                                        <p:cTn id="8" dur="1" fill="hold">
+                                        <p:cTn id="10" dur="1" fill="hold">
                                           <p:stCondLst>
                                             <p:cond delay="0"/>
                                           </p:stCondLst>
@@ -5040,70 +5811,26 @@
                                   </p:childTnLst>
                                 </p:cTn>
                               </p:par>
+                            </p:childTnLst>
+                          </p:cTn>
+                        </p:par>
+                      </p:childTnLst>
+                    </p:cTn>
+                  </p:par>
+                  <p:par>
+                    <p:cTn id="11" fill="hold">
+                      <p:stCondLst>
+                        <p:cond delay="indefinite"/>
+                      </p:stCondLst>
+                      <p:childTnLst>
+                        <p:par>
+                          <p:cTn id="12" fill="hold">
+                            <p:stCondLst>
+                              <p:cond delay="0"/>
+                            </p:stCondLst>
+                            <p:childTnLst>
                               <p:par>
-                                <p:cTn id="9" presetID="1" presetClass="entr" presetSubtype="0" fill="hold" grpId="0" nodeType="withEffect">
-                                  <p:stCondLst>
-                                    <p:cond delay="0"/>
-                                  </p:stCondLst>
-                                  <p:childTnLst>
-                                    <p:set>
-                                      <p:cBhvr>
-                                        <p:cTn id="10" dur="1" fill="hold">
-                                          <p:stCondLst>
-                                            <p:cond delay="0"/>
-                                          </p:stCondLst>
-                                        </p:cTn>
-                                        <p:tgtEl>
-                                          <p:spTgt spid="3">
-                                            <p:txEl>
-                                              <p:pRg st="2" end="2"/>
-                                            </p:txEl>
-                                          </p:spTgt>
-                                        </p:tgtEl>
-                                        <p:attrNameLst>
-                                          <p:attrName>style.visibility</p:attrName>
-                                        </p:attrNameLst>
-                                      </p:cBhvr>
-                                      <p:to>
-                                        <p:strVal val="visible"/>
-                                      </p:to>
-                                    </p:set>
-                                  </p:childTnLst>
-                                </p:cTn>
-                              </p:par>
-                              <p:par>
-                                <p:cTn id="11" presetID="1" presetClass="entr" presetSubtype="0" fill="hold" grpId="0" nodeType="withEffect">
-                                  <p:stCondLst>
-                                    <p:cond delay="0"/>
-                                  </p:stCondLst>
-                                  <p:childTnLst>
-                                    <p:set>
-                                      <p:cBhvr>
-                                        <p:cTn id="12" dur="1" fill="hold">
-                                          <p:stCondLst>
-                                            <p:cond delay="0"/>
-                                          </p:stCondLst>
-                                        </p:cTn>
-                                        <p:tgtEl>
-                                          <p:spTgt spid="3">
-                                            <p:txEl>
-                                              <p:pRg st="3" end="3"/>
-                                            </p:txEl>
-                                          </p:spTgt>
-                                        </p:tgtEl>
-                                        <p:attrNameLst>
-                                          <p:attrName>style.visibility</p:attrName>
-                                        </p:attrNameLst>
-                                      </p:cBhvr>
-                                      <p:to>
-                                        <p:strVal val="visible"/>
-                                      </p:to>
-                                    </p:set>
-                                  </p:childTnLst>
-                                </p:cTn>
-                              </p:par>
-                              <p:par>
-                                <p:cTn id="13" presetID="1" presetClass="entr" presetSubtype="0" fill="hold" grpId="0" nodeType="withEffect">
+                                <p:cTn id="13" presetID="1" presetClass="entr" presetSubtype="0" fill="hold" grpId="0" nodeType="clickEffect">
                                   <p:stCondLst>
                                     <p:cond delay="0"/>
                                   </p:stCondLst>
@@ -5118,7 +5845,7 @@
                                         <p:tgtEl>
                                           <p:spTgt spid="3">
                                             <p:txEl>
-                                              <p:pRg st="4" end="4"/>
+                                              <p:pRg st="2" end="2"/>
                                             </p:txEl>
                                           </p:spTgt>
                                         </p:tgtEl>
@@ -5167,7 +5894,7 @@
                                         <p:tgtEl>
                                           <p:spTgt spid="3">
                                             <p:txEl>
-                                              <p:pRg st="5" end="5"/>
+                                              <p:pRg st="3" end="3"/>
                                             </p:txEl>
                                           </p:spTgt>
                                         </p:tgtEl>
@@ -5182,15 +5909,33 @@
                                   </p:childTnLst>
                                 </p:cTn>
                               </p:par>
+                            </p:childTnLst>
+                          </p:cTn>
+                        </p:par>
+                      </p:childTnLst>
+                    </p:cTn>
+                  </p:par>
+                  <p:par>
+                    <p:cTn id="19" fill="hold">
+                      <p:stCondLst>
+                        <p:cond delay="indefinite"/>
+                      </p:stCondLst>
+                      <p:childTnLst>
+                        <p:par>
+                          <p:cTn id="20" fill="hold">
+                            <p:stCondLst>
+                              <p:cond delay="0"/>
+                            </p:stCondLst>
+                            <p:childTnLst>
                               <p:par>
-                                <p:cTn id="19" presetID="1" presetClass="entr" presetSubtype="0" fill="hold" grpId="0" nodeType="withEffect">
+                                <p:cTn id="21" presetID="1" presetClass="entr" presetSubtype="0" fill="hold" grpId="0" nodeType="clickEffect">
                                   <p:stCondLst>
                                     <p:cond delay="0"/>
                                   </p:stCondLst>
                                   <p:childTnLst>
                                     <p:set>
                                       <p:cBhvr>
-                                        <p:cTn id="20" dur="1" fill="hold">
+                                        <p:cTn id="22" dur="1" fill="hold">
                                           <p:stCondLst>
                                             <p:cond delay="0"/>
                                           </p:stCondLst>
@@ -5198,7 +5943,7 @@
                                         <p:tgtEl>
                                           <p:spTgt spid="3">
                                             <p:txEl>
-                                              <p:pRg st="6" end="6"/>
+                                              <p:pRg st="4" end="4"/>
                                             </p:txEl>
                                           </p:spTgt>
                                         </p:tgtEl>
@@ -5213,70 +5958,26 @@
                                   </p:childTnLst>
                                 </p:cTn>
                               </p:par>
+                            </p:childTnLst>
+                          </p:cTn>
+                        </p:par>
+                      </p:childTnLst>
+                    </p:cTn>
+                  </p:par>
+                  <p:par>
+                    <p:cTn id="23" fill="hold">
+                      <p:stCondLst>
+                        <p:cond delay="indefinite"/>
+                      </p:stCondLst>
+                      <p:childTnLst>
+                        <p:par>
+                          <p:cTn id="24" fill="hold">
+                            <p:stCondLst>
+                              <p:cond delay="0"/>
+                            </p:stCondLst>
+                            <p:childTnLst>
                               <p:par>
-                                <p:cTn id="21" presetID="1" presetClass="entr" presetSubtype="0" fill="hold" grpId="0" nodeType="withEffect">
-                                  <p:stCondLst>
-                                    <p:cond delay="0"/>
-                                  </p:stCondLst>
-                                  <p:childTnLst>
-                                    <p:set>
-                                      <p:cBhvr>
-                                        <p:cTn id="22" dur="1" fill="hold">
-                                          <p:stCondLst>
-                                            <p:cond delay="0"/>
-                                          </p:stCondLst>
-                                        </p:cTn>
-                                        <p:tgtEl>
-                                          <p:spTgt spid="3">
-                                            <p:txEl>
-                                              <p:pRg st="7" end="7"/>
-                                            </p:txEl>
-                                          </p:spTgt>
-                                        </p:tgtEl>
-                                        <p:attrNameLst>
-                                          <p:attrName>style.visibility</p:attrName>
-                                        </p:attrNameLst>
-                                      </p:cBhvr>
-                                      <p:to>
-                                        <p:strVal val="visible"/>
-                                      </p:to>
-                                    </p:set>
-                                  </p:childTnLst>
-                                </p:cTn>
-                              </p:par>
-                              <p:par>
-                                <p:cTn id="23" presetID="1" presetClass="entr" presetSubtype="0" fill="hold" grpId="0" nodeType="withEffect">
-                                  <p:stCondLst>
-                                    <p:cond delay="0"/>
-                                  </p:stCondLst>
-                                  <p:childTnLst>
-                                    <p:set>
-                                      <p:cBhvr>
-                                        <p:cTn id="24" dur="1" fill="hold">
-                                          <p:stCondLst>
-                                            <p:cond delay="0"/>
-                                          </p:stCondLst>
-                                        </p:cTn>
-                                        <p:tgtEl>
-                                          <p:spTgt spid="3">
-                                            <p:txEl>
-                                              <p:pRg st="8" end="8"/>
-                                            </p:txEl>
-                                          </p:spTgt>
-                                        </p:tgtEl>
-                                        <p:attrNameLst>
-                                          <p:attrName>style.visibility</p:attrName>
-                                        </p:attrNameLst>
-                                      </p:cBhvr>
-                                      <p:to>
-                                        <p:strVal val="visible"/>
-                                      </p:to>
-                                    </p:set>
-                                  </p:childTnLst>
-                                </p:cTn>
-                              </p:par>
-                              <p:par>
-                                <p:cTn id="25" presetID="1" presetClass="entr" presetSubtype="0" fill="hold" grpId="0" nodeType="withEffect">
+                                <p:cTn id="25" presetID="1" presetClass="entr" presetSubtype="0" fill="hold" grpId="0" nodeType="clickEffect">
                                   <p:stCondLst>
                                     <p:cond delay="0"/>
                                   </p:stCondLst>
@@ -5291,7 +5992,7 @@
                                         <p:tgtEl>
                                           <p:spTgt spid="3">
                                             <p:txEl>
-                                              <p:pRg st="9" end="9"/>
+                                              <p:pRg st="5" end="5"/>
                                             </p:txEl>
                                           </p:spTgt>
                                         </p:tgtEl>
@@ -5336,345 +6037,6 @@
     <p:bldLst>
       <p:bldP spid="3" grpId="0" uiExpand="1" build="p"/>
     </p:bldLst>
-  </p:timing>
-</p:sld>
-</file>
-
-<file path=ppt/slides/slide7.xml><?xml version="1.0" encoding="utf-8"?>
-<p:sld xmlns:a="http://schemas.openxmlformats.org/drawingml/2006/main" xmlns:r="http://schemas.openxmlformats.org/officeDocument/2006/relationships" xmlns:p="http://schemas.openxmlformats.org/presentationml/2006/main">
-  <p:cSld>
-    <p:spTree>
-      <p:nvGrpSpPr>
-        <p:cNvPr id="1" name=""/>
-        <p:cNvGrpSpPr/>
-        <p:nvPr/>
-      </p:nvGrpSpPr>
-      <p:grpSpPr>
-        <a:xfrm>
-          <a:off x="0" y="0"/>
-          <a:ext cx="0" cy="0"/>
-          <a:chOff x="0" y="0"/>
-          <a:chExt cx="0" cy="0"/>
-        </a:xfrm>
-      </p:grpSpPr>
-      <p:sp>
-        <p:nvSpPr>
-          <p:cNvPr id="2" name="Заголовок 1"/>
-          <p:cNvSpPr>
-            <a:spLocks noGrp="1"/>
-          </p:cNvSpPr>
-          <p:nvPr>
-            <p:ph type="title"/>
-          </p:nvPr>
-        </p:nvSpPr>
-        <p:spPr/>
-        <p:txBody>
-          <a:bodyPr/>
-          <a:lstStyle/>
-          <a:p>
-            <a:r>
-              <a:rPr lang="ru-RU" dirty="0"/>
-              <a:t>Режимы работы программы</a:t>
-            </a:r>
-          </a:p>
-        </p:txBody>
-      </p:sp>
-      <p:sp>
-        <p:nvSpPr>
-          <p:cNvPr id="3" name="Объект 2"/>
-          <p:cNvSpPr>
-            <a:spLocks noGrp="1"/>
-          </p:cNvSpPr>
-          <p:nvPr>
-            <p:ph idx="1"/>
-          </p:nvPr>
-        </p:nvSpPr>
-        <p:spPr/>
-        <p:txBody>
-          <a:bodyPr/>
-          <a:lstStyle/>
-          <a:p>
-            <a:r>
-              <a:rPr lang="ru-RU" dirty="0" smtClean="0"/>
-              <a:t>Дополнительные функции</a:t>
-            </a:r>
-          </a:p>
-          <a:p>
-            <a:pPr lvl="1"/>
-            <a:r>
-              <a:rPr lang="ru-RU" dirty="0" smtClean="0"/>
-              <a:t>Настройки кастомизации</a:t>
-            </a:r>
-          </a:p>
-          <a:p>
-            <a:pPr lvl="1"/>
-            <a:r>
-              <a:rPr lang="ru-RU" dirty="0" smtClean="0"/>
-              <a:t>Просмотр таблиц в БД</a:t>
-            </a:r>
-          </a:p>
-          <a:p>
-            <a:pPr lvl="1"/>
-            <a:r>
-              <a:rPr lang="ru-RU" dirty="0" smtClean="0"/>
-              <a:t>Кастомизация интерфейса</a:t>
-            </a:r>
-          </a:p>
-        </p:txBody>
-      </p:sp>
-    </p:spTree>
-    <p:extLst>
-      <p:ext uri="{BB962C8B-B14F-4D97-AF65-F5344CB8AC3E}">
-        <p14:creationId xmlns:p14="http://schemas.microsoft.com/office/powerpoint/2010/main" val="656501826"/>
-      </p:ext>
-    </p:extLst>
-  </p:cSld>
-  <p:clrMapOvr>
-    <a:masterClrMapping/>
-  </p:clrMapOvr>
-  <p:timing>
-    <p:tnLst>
-      <p:par>
-        <p:cTn id="1" dur="indefinite" restart="never" nodeType="tmRoot"/>
-      </p:par>
-    </p:tnLst>
-  </p:timing>
-</p:sld>
-</file>
-
-<file path=ppt/slides/slide8.xml><?xml version="1.0" encoding="utf-8"?>
-<p:sld xmlns:a="http://schemas.openxmlformats.org/drawingml/2006/main" xmlns:r="http://schemas.openxmlformats.org/officeDocument/2006/relationships" xmlns:p="http://schemas.openxmlformats.org/presentationml/2006/main">
-  <p:cSld>
-    <p:spTree>
-      <p:nvGrpSpPr>
-        <p:cNvPr id="1" name=""/>
-        <p:cNvGrpSpPr/>
-        <p:nvPr/>
-      </p:nvGrpSpPr>
-      <p:grpSpPr>
-        <a:xfrm>
-          <a:off x="0" y="0"/>
-          <a:ext cx="0" cy="0"/>
-          <a:chOff x="0" y="0"/>
-          <a:chExt cx="0" cy="0"/>
-        </a:xfrm>
-      </p:grpSpPr>
-      <p:sp>
-        <p:nvSpPr>
-          <p:cNvPr id="2" name="Заголовок 1"/>
-          <p:cNvSpPr>
-            <a:spLocks noGrp="1"/>
-          </p:cNvSpPr>
-          <p:nvPr>
-            <p:ph type="title"/>
-          </p:nvPr>
-        </p:nvSpPr>
-        <p:spPr/>
-        <p:txBody>
-          <a:bodyPr/>
-          <a:lstStyle/>
-          <a:p>
-            <a:r>
-              <a:rPr lang="ru-RU" dirty="0" smtClean="0"/>
-              <a:t>Ключевые моменты</a:t>
-            </a:r>
-            <a:endParaRPr lang="ru-RU" dirty="0"/>
-          </a:p>
-        </p:txBody>
-      </p:sp>
-      <p:sp>
-        <p:nvSpPr>
-          <p:cNvPr id="3" name="Объект 2"/>
-          <p:cNvSpPr>
-            <a:spLocks noGrp="1"/>
-          </p:cNvSpPr>
-          <p:nvPr>
-            <p:ph idx="1"/>
-          </p:nvPr>
-        </p:nvSpPr>
-        <p:spPr/>
-        <p:txBody>
-          <a:bodyPr/>
-          <a:lstStyle/>
-          <a:p>
-            <a:r>
-              <a:rPr lang="ru-RU" dirty="0" smtClean="0"/>
-              <a:t>Подсветка ключевых слов </a:t>
-            </a:r>
-            <a:r>
-              <a:rPr lang="en-US" dirty="0" smtClean="0"/>
-              <a:t>MySQL</a:t>
-            </a:r>
-          </a:p>
-          <a:p>
-            <a:r>
-              <a:rPr lang="ru-RU" dirty="0" smtClean="0"/>
-              <a:t>Отображение кол-ва строк которое вернул </a:t>
-            </a:r>
-            <a:r>
-              <a:rPr lang="en-US" dirty="0" smtClean="0"/>
-              <a:t>MySQL</a:t>
-            </a:r>
-          </a:p>
-          <a:p>
-            <a:r>
-              <a:rPr lang="ru-RU" dirty="0" smtClean="0"/>
-              <a:t>Отображение текста заданий</a:t>
-            </a:r>
-          </a:p>
-          <a:p>
-            <a:r>
-              <a:rPr lang="ru-RU" dirty="0" smtClean="0"/>
-              <a:t>Система хранения заданий и ответов на них</a:t>
-            </a:r>
-          </a:p>
-          <a:p>
-            <a:r>
-              <a:rPr lang="ru-RU" dirty="0" smtClean="0"/>
-              <a:t>Автоматическая проверка заданий</a:t>
-            </a:r>
-            <a:endParaRPr lang="ru-RU" dirty="0"/>
-          </a:p>
-        </p:txBody>
-      </p:sp>
-    </p:spTree>
-    <p:extLst>
-      <p:ext uri="{BB962C8B-B14F-4D97-AF65-F5344CB8AC3E}">
-        <p14:creationId xmlns:p14="http://schemas.microsoft.com/office/powerpoint/2010/main" val="3494490147"/>
-      </p:ext>
-    </p:extLst>
-  </p:cSld>
-  <p:clrMapOvr>
-    <a:masterClrMapping/>
-  </p:clrMapOvr>
-  <p:timing>
-    <p:tnLst>
-      <p:par>
-        <p:cTn id="1" dur="indefinite" restart="never" nodeType="tmRoot"/>
-      </p:par>
-    </p:tnLst>
-  </p:timing>
-</p:sld>
-</file>
-
-<file path=ppt/slides/slide9.xml><?xml version="1.0" encoding="utf-8"?>
-<p:sld xmlns:a="http://schemas.openxmlformats.org/drawingml/2006/main" xmlns:r="http://schemas.openxmlformats.org/officeDocument/2006/relationships" xmlns:p="http://schemas.openxmlformats.org/presentationml/2006/main">
-  <p:cSld>
-    <p:spTree>
-      <p:nvGrpSpPr>
-        <p:cNvPr id="1" name=""/>
-        <p:cNvGrpSpPr/>
-        <p:nvPr/>
-      </p:nvGrpSpPr>
-      <p:grpSpPr>
-        <a:xfrm>
-          <a:off x="0" y="0"/>
-          <a:ext cx="0" cy="0"/>
-          <a:chOff x="0" y="0"/>
-          <a:chExt cx="0" cy="0"/>
-        </a:xfrm>
-      </p:grpSpPr>
-      <p:pic>
-        <p:nvPicPr>
-          <p:cNvPr id="2054" name="Picture 6" descr="K324KJRWLJA.jpg (379×392)"/>
-          <p:cNvPicPr>
-            <a:picLocks noChangeAspect="1" noChangeArrowheads="1"/>
-          </p:cNvPicPr>
-          <p:nvPr/>
-        </p:nvPicPr>
-        <p:blipFill rotWithShape="1">
-          <a:blip r:embed="rId2">
-            <a:extLst>
-              <a:ext uri="{28A0092B-C50C-407E-A947-70E740481C1C}">
-                <a14:useLocalDpi xmlns:a14="http://schemas.microsoft.com/office/drawing/2010/main" val="0"/>
-              </a:ext>
-            </a:extLst>
-          </a:blip>
-          <a:srcRect l="833" t="1482" r="729" b="1465"/>
-          <a:stretch/>
-        </p:blipFill>
-        <p:spPr bwMode="auto">
-          <a:xfrm>
-            <a:off x="0" y="0"/>
-            <a:ext cx="12192000" cy="6858000"/>
-          </a:xfrm>
-          <a:prstGeom prst="rect">
-            <a:avLst/>
-          </a:prstGeom>
-          <a:noFill/>
-          <a:extLst>
-            <a:ext uri="{909E8E84-426E-40DD-AFC4-6F175D3DCCD1}">
-              <a14:hiddenFill xmlns:a14="http://schemas.microsoft.com/office/drawing/2010/main">
-                <a:solidFill>
-                  <a:srgbClr val="FFFFFF"/>
-                </a:solidFill>
-              </a14:hiddenFill>
-            </a:ext>
-          </a:extLst>
-        </p:spPr>
-      </p:pic>
-      <p:sp>
-        <p:nvSpPr>
-          <p:cNvPr id="3" name="Овальная выноска 2"/>
-          <p:cNvSpPr/>
-          <p:nvPr/>
-        </p:nvSpPr>
-        <p:spPr>
-          <a:xfrm>
-            <a:off x="1930400" y="965200"/>
-            <a:ext cx="2552700" cy="1409700"/>
-          </a:xfrm>
-          <a:prstGeom prst="wedgeEllipseCallout">
-            <a:avLst>
-              <a:gd name="adj1" fmla="val 81359"/>
-              <a:gd name="adj2" fmla="val 74620"/>
-            </a:avLst>
-          </a:prstGeom>
-          <a:ln/>
-        </p:spPr>
-        <p:style>
-          <a:lnRef idx="2">
-            <a:schemeClr val="dk1"/>
-          </a:lnRef>
-          <a:fillRef idx="1">
-            <a:schemeClr val="lt1"/>
-          </a:fillRef>
-          <a:effectRef idx="0">
-            <a:schemeClr val="dk1"/>
-          </a:effectRef>
-          <a:fontRef idx="minor">
-            <a:schemeClr val="dk1"/>
-          </a:fontRef>
-        </p:style>
-        <p:txBody>
-          <a:bodyPr rtlCol="0" anchor="ctr"/>
-          <a:lstStyle/>
-          <a:p>
-            <a:pPr algn="ctr"/>
-            <a:r>
-              <a:rPr lang="ru-RU" sz="2000" dirty="0" smtClean="0"/>
-              <a:t>Демонстрация</a:t>
-            </a:r>
-            <a:endParaRPr lang="ru-RU" sz="2000" dirty="0"/>
-          </a:p>
-        </p:txBody>
-      </p:sp>
-    </p:spTree>
-    <p:extLst>
-      <p:ext uri="{BB962C8B-B14F-4D97-AF65-F5344CB8AC3E}">
-        <p14:creationId xmlns:p14="http://schemas.microsoft.com/office/powerpoint/2010/main" val="2660967317"/>
-      </p:ext>
-    </p:extLst>
-  </p:cSld>
-  <p:clrMapOvr>
-    <a:masterClrMapping/>
-  </p:clrMapOvr>
-  <p:timing>
-    <p:tnLst>
-      <p:par>
-        <p:cTn id="1" dur="indefinite" restart="never" nodeType="tmRoot"/>
-      </p:par>
-    </p:tnLst>
   </p:timing>
 </p:sld>
 </file>
